--- a/UNISUL-201807/slides/Oficina Neo4j - Parte I.pptx
+++ b/UNISUL-201807/slides/Oficina Neo4j - Parte I.pptx
@@ -12,7 +12,7 @@
   </p:handoutMasterIdLst>
   <p:sldIdLst>
     <p:sldId id="256" r:id="rId2"/>
-    <p:sldId id="258" r:id="rId3"/>
+    <p:sldId id="450" r:id="rId3"/>
     <p:sldId id="288" r:id="rId4"/>
     <p:sldId id="323" r:id="rId5"/>
     <p:sldId id="337" r:id="rId6"/>
@@ -273,7 +273,7 @@
             <a:fld id="{A5B1C66F-3B8A-431A-B9FC-0343753B4243}" type="datetimeFigureOut">
               <a:rPr lang="pt-BR" smtClean="0"/>
               <a:pPr/>
-              <a:t>04/07/2018</a:t>
+              <a:t>05/07/2018</a:t>
             </a:fld>
             <a:endParaRPr lang="pt-BR" dirty="0"/>
           </a:p>
@@ -441,7 +441,7 @@
             <a:fld id="{7A6F86BF-528C-4678-BD49-61E22CE00DC3}" type="datetimeFigureOut">
               <a:rPr lang="en-US" smtClean="0"/>
               <a:pPr/>
-              <a:t>7/4/2018</a:t>
+              <a:t>7/5/2018</a:t>
             </a:fld>
             <a:endParaRPr lang="en-US" dirty="0"/>
           </a:p>
@@ -785,7 +785,7 @@
     </p:spTree>
     <p:extLst>
       <p:ext uri="{BB962C8B-B14F-4D97-AF65-F5344CB8AC3E}">
-        <p14:creationId xmlns:p14="http://schemas.microsoft.com/office/powerpoint/2010/main" val="3168103280"/>
+        <p14:creationId xmlns:p14="http://schemas.microsoft.com/office/powerpoint/2010/main" val="67980875"/>
       </p:ext>
     </p:extLst>
   </p:cSld>
@@ -9917,7 +9917,7 @@
             </a:pPr>
             <a:r>
               <a:rPr lang="pt-BR" dirty="0"/>
-              <a:t>Neo4j</a:t>
+              <a:t>Neo4j – Parte 1</a:t>
             </a:r>
           </a:p>
           <a:p>
@@ -9996,7 +9996,7 @@
     </p:spTree>
     <p:extLst>
       <p:ext uri="{BB962C8B-B14F-4D97-AF65-F5344CB8AC3E}">
-        <p14:creationId xmlns:p14="http://schemas.microsoft.com/office/powerpoint/2010/main" val="804895108"/>
+        <p14:creationId xmlns:p14="http://schemas.microsoft.com/office/powerpoint/2010/main" val="3431864076"/>
       </p:ext>
     </p:extLst>
   </p:cSld>
@@ -21849,9 +21849,31 @@
           <a:lstStyle/>
           <a:p>
             <a:r>
-              <a:rPr lang="pt-BR" dirty="0"/>
-              <a:t>Link compartilhado por e-mail</a:t>
-            </a:r>
+              <a:rPr lang="pt-BR" sz="4000" dirty="0"/>
+              <a:t>Link: https://10-0-1-72-32969. neo4jsandbox.com/browser/</a:t>
+            </a:r>
+          </a:p>
+          <a:p>
+            <a:r>
+              <a:rPr lang="pt-BR" sz="4000" dirty="0"/>
+              <a:t>Usuário: </a:t>
+            </a:r>
+            <a:r>
+              <a:rPr lang="pt-BR" sz="4000" b="1" dirty="0" err="1"/>
+              <a:t>unisul</a:t>
+            </a:r>
+            <a:endParaRPr lang="pt-BR" sz="4000" b="1" dirty="0"/>
+          </a:p>
+          <a:p>
+            <a:r>
+              <a:rPr lang="pt-BR" sz="4000" dirty="0"/>
+              <a:t>Senha: </a:t>
+            </a:r>
+            <a:r>
+              <a:rPr lang="pt-BR" sz="4000" b="1" dirty="0" err="1"/>
+              <a:t>graphs</a:t>
+            </a:r>
+            <a:endParaRPr lang="pt-BR" sz="4000" b="1" dirty="0"/>
           </a:p>
         </p:txBody>
       </p:sp>
@@ -27096,15 +27118,21 @@
           <a:p>
             <a:r>
               <a:rPr lang="pt-BR" dirty="0"/>
-              <a:t>Montar um critério de </a:t>
-            </a:r>
-            <a:r>
-              <a:rPr lang="pt-BR" i="1" dirty="0"/>
+              <a:t>Montar um sistema de </a:t>
+            </a:r>
+            <a:r>
+              <a:rPr lang="pt-BR" b="1" i="1" dirty="0"/>
               <a:t>ranking</a:t>
             </a:r>
             <a:r>
               <a:rPr lang="pt-BR" dirty="0"/>
-              <a:t> para ordenar as indicações;</a:t>
+              <a:t> para mostrar apenas as 10 melhores indicações;</a:t>
+            </a:r>
+          </a:p>
+          <a:p>
+            <a:r>
+              <a:rPr lang="pt-BR" dirty="0"/>
+              <a:t>Sugerir evoluções para o modelo (entidades, relacionamentos e atributos);</a:t>
             </a:r>
           </a:p>
         </p:txBody>

--- a/UNISUL-201807/slides/Oficina Neo4j - Parte I.pptx
+++ b/UNISUL-201807/slides/Oficina Neo4j - Parte I.pptx
@@ -5,10 +5,10 @@
     <p:sldMasterId id="2147483648" r:id="rId1"/>
   </p:sldMasterIdLst>
   <p:notesMasterIdLst>
-    <p:notesMasterId r:id="rId50"/>
+    <p:notesMasterId r:id="rId51"/>
   </p:notesMasterIdLst>
   <p:handoutMasterIdLst>
-    <p:handoutMasterId r:id="rId51"/>
+    <p:handoutMasterId r:id="rId52"/>
   </p:handoutMasterIdLst>
   <p:sldIdLst>
     <p:sldId id="256" r:id="rId2"/>
@@ -56,9 +56,10 @@
     <p:sldId id="437" r:id="rId44"/>
     <p:sldId id="438" r:id="rId45"/>
     <p:sldId id="397" r:id="rId46"/>
-    <p:sldId id="399" r:id="rId47"/>
-    <p:sldId id="400" r:id="rId48"/>
-    <p:sldId id="402" r:id="rId49"/>
+    <p:sldId id="398" r:id="rId47"/>
+    <p:sldId id="399" r:id="rId48"/>
+    <p:sldId id="400" r:id="rId49"/>
+    <p:sldId id="402" r:id="rId50"/>
   </p:sldIdLst>
   <p:sldSz cx="9144000" cy="5143500" type="screen16x9"/>
   <p:notesSz cx="6858000" cy="9144000"/>
@@ -273,7 +274,7 @@
             <a:fld id="{A5B1C66F-3B8A-431A-B9FC-0343753B4243}" type="datetimeFigureOut">
               <a:rPr lang="pt-BR" smtClean="0"/>
               <a:pPr/>
-              <a:t>05/07/2018</a:t>
+              <a:t>06/07/2018</a:t>
             </a:fld>
             <a:endParaRPr lang="pt-BR" dirty="0"/>
           </a:p>
@@ -441,7 +442,7 @@
             <a:fld id="{7A6F86BF-528C-4678-BD49-61E22CE00DC3}" type="datetimeFigureOut">
               <a:rPr lang="en-US" smtClean="0"/>
               <a:pPr/>
-              <a:t>7/5/2018</a:t>
+              <a:t>7/6/2018</a:t>
             </a:fld>
             <a:endParaRPr lang="en-US" dirty="0"/>
           </a:p>
@@ -983,7 +984,7 @@
             <a:fld id="{47F5BF16-91B8-4F5B-8B6F-4FA9B8CFCD94}" type="slidenum">
               <a:rPr lang="en-US" smtClean="0"/>
               <a:pPr/>
-              <a:t>47</a:t>
+              <a:t>48</a:t>
             </a:fld>
             <a:endParaRPr lang="en-US"/>
           </a:p>
@@ -26921,6 +26922,143 @@
       </p:grpSpPr>
       <p:pic>
         <p:nvPicPr>
+          <p:cNvPr id="2" name="Picture 1" descr="morpheus.jpg"/>
+          <p:cNvPicPr>
+            <a:picLocks noChangeAspect="1"/>
+          </p:cNvPicPr>
+          <p:nvPr/>
+        </p:nvPicPr>
+        <p:blipFill rotWithShape="1">
+          <a:blip r:embed="rId2">
+            <a:extLst>
+              <a:ext uri="{28A0092B-C50C-407E-A947-70E740481C1C}">
+                <a14:useLocalDpi xmlns:a14="http://schemas.microsoft.com/office/drawing/2010/main" val="0"/>
+              </a:ext>
+            </a:extLst>
+          </a:blip>
+          <a:srcRect t="-16094" b="-17773"/>
+          <a:stretch/>
+        </p:blipFill>
+        <p:spPr>
+          <a:xfrm>
+            <a:off x="0" y="0"/>
+            <a:ext cx="9144000" cy="5219700"/>
+          </a:xfrm>
+          <a:prstGeom prst="rect">
+            <a:avLst/>
+          </a:prstGeom>
+          <a:solidFill>
+            <a:schemeClr val="tx1"/>
+          </a:solidFill>
+        </p:spPr>
+      </p:pic>
+      <p:sp>
+        <p:nvSpPr>
+          <p:cNvPr id="5" name="Espaço Reservado para Número de Slide 2"/>
+          <p:cNvSpPr>
+            <a:spLocks noGrp="1"/>
+          </p:cNvSpPr>
+          <p:nvPr>
+            <p:ph type="sldNum" sz="quarter" idx="12"/>
+          </p:nvPr>
+        </p:nvSpPr>
+        <p:spPr>
+          <a:xfrm>
+            <a:off x="6553200" y="4767263"/>
+            <a:ext cx="2133600" cy="273844"/>
+          </a:xfrm>
+        </p:spPr>
+        <p:txBody>
+          <a:bodyPr/>
+          <a:lstStyle/>
+          <a:p>
+            <a:fld id="{FC90F933-39A6-43F7-A135-26EE47D373B6}" type="slidenum">
+              <a:rPr lang="en-US" smtClean="0"/>
+              <a:pPr/>
+              <a:t>46</a:t>
+            </a:fld>
+            <a:endParaRPr lang="en-US"/>
+          </a:p>
+        </p:txBody>
+      </p:sp>
+      <p:sp>
+        <p:nvSpPr>
+          <p:cNvPr id="7" name="TextBox 6"/>
+          <p:cNvSpPr txBox="1"/>
+          <p:nvPr/>
+        </p:nvSpPr>
+        <p:spPr>
+          <a:xfrm>
+            <a:off x="1187624" y="3992746"/>
+            <a:ext cx="6696744" cy="523220"/>
+          </a:xfrm>
+          <a:prstGeom prst="rect">
+            <a:avLst/>
+          </a:prstGeom>
+          <a:noFill/>
+        </p:spPr>
+        <p:txBody>
+          <a:bodyPr wrap="square" rtlCol="0">
+            <a:spAutoFit/>
+          </a:bodyPr>
+          <a:lstStyle/>
+          <a:p>
+            <a:pPr algn="ctr"/>
+            <a:r>
+              <a:rPr lang="en-US" sz="2800" b="1" i="1" dirty="0" err="1">
+                <a:solidFill>
+                  <a:srgbClr val="FFFF00"/>
+                </a:solidFill>
+                <a:latin typeface="Arial"/>
+                <a:cs typeface="Arial"/>
+              </a:rPr>
+              <a:t>Perguntas</a:t>
+            </a:r>
+            <a:r>
+              <a:rPr lang="en-US" sz="2800" b="1" i="1" dirty="0">
+                <a:solidFill>
+                  <a:srgbClr val="FFFF00"/>
+                </a:solidFill>
+                <a:latin typeface="Arial"/>
+                <a:cs typeface="Arial"/>
+              </a:rPr>
+              <a:t>?</a:t>
+            </a:r>
+          </a:p>
+        </p:txBody>
+      </p:sp>
+    </p:spTree>
+    <p:extLst>
+      <p:ext uri="{BB962C8B-B14F-4D97-AF65-F5344CB8AC3E}">
+        <p14:creationId xmlns:p14="http://schemas.microsoft.com/office/powerpoint/2010/main" val="2195214715"/>
+      </p:ext>
+    </p:extLst>
+  </p:cSld>
+  <p:clrMapOvr>
+    <a:masterClrMapping/>
+  </p:clrMapOvr>
+</p:sld>
+</file>
+
+<file path=ppt/slides/slide47.xml><?xml version="1.0" encoding="utf-8"?>
+<p:sld xmlns:a="http://schemas.openxmlformats.org/drawingml/2006/main" xmlns:r="http://schemas.openxmlformats.org/officeDocument/2006/relationships" xmlns:p="http://schemas.openxmlformats.org/presentationml/2006/main">
+  <p:cSld>
+    <p:spTree>
+      <p:nvGrpSpPr>
+        <p:cNvPr id="1" name=""/>
+        <p:cNvGrpSpPr/>
+        <p:nvPr/>
+      </p:nvGrpSpPr>
+      <p:grpSpPr>
+        <a:xfrm>
+          <a:off x="0" y="0"/>
+          <a:ext cx="0" cy="0"/>
+          <a:chOff x="0" y="0"/>
+          <a:chExt cx="0" cy="0"/>
+        </a:xfrm>
+      </p:grpSpPr>
+      <p:pic>
+        <p:nvPicPr>
           <p:cNvPr id="9" name="Imagem 8"/>
           <p:cNvPicPr>
             <a:picLocks noChangeAspect="1"/>
@@ -26974,7 +27112,7 @@
             <a:fld id="{FC90F933-39A6-43F7-A135-26EE47D373B6}" type="slidenum">
               <a:rPr lang="en-US" smtClean="0"/>
               <a:pPr/>
-              <a:t>46</a:t>
+              <a:t>47</a:t>
             </a:fld>
             <a:endParaRPr lang="en-US"/>
           </a:p>
@@ -27024,7 +27162,7 @@
 </p:sld>
 </file>
 
-<file path=ppt/slides/slide47.xml><?xml version="1.0" encoding="utf-8"?>
+<file path=ppt/slides/slide48.xml><?xml version="1.0" encoding="utf-8"?>
 <p:sld xmlns:a="http://schemas.openxmlformats.org/drawingml/2006/main" xmlns:r="http://schemas.openxmlformats.org/officeDocument/2006/relationships" xmlns:p="http://schemas.openxmlformats.org/presentationml/2006/main">
   <p:cSld>
     <p:spTree>
@@ -27081,7 +27219,7 @@
             <a:fld id="{FC90F933-39A6-43F7-A135-26EE47D373B6}" type="slidenum">
               <a:rPr lang="pt-BR" smtClean="0"/>
               <a:pPr/>
-              <a:t>47</a:t>
+              <a:t>48</a:t>
             </a:fld>
             <a:endParaRPr lang="pt-BR" dirty="0"/>
           </a:p>
@@ -27150,7 +27288,7 @@
 </p:sld>
 </file>
 
-<file path=ppt/slides/slide48.xml><?xml version="1.0" encoding="utf-8"?>
+<file path=ppt/slides/slide49.xml><?xml version="1.0" encoding="utf-8"?>
 <p:sld xmlns:a="http://schemas.openxmlformats.org/drawingml/2006/main" xmlns:r="http://schemas.openxmlformats.org/officeDocument/2006/relationships" xmlns:p="http://schemas.openxmlformats.org/presentationml/2006/main">
   <p:cSld>
     <p:spTree>
@@ -27222,7 +27360,7 @@
             <a:fld id="{FC90F933-39A6-43F7-A135-26EE47D373B6}" type="slidenum">
               <a:rPr lang="en-US" smtClean="0"/>
               <a:pPr/>
-              <a:t>48</a:t>
+              <a:t>49</a:t>
             </a:fld>
             <a:endParaRPr lang="en-US"/>
           </a:p>
